--- a/Slides/Class25.pptx
+++ b/Slides/Class25.pptx
@@ -228,7 +228,7 @@
           <a:p>
             <a:fld id="{C24322AF-E05B-7249-906C-FBAC6154C037}" type="datetimeFigureOut">
               <a:rPr lang="en-US" smtClean="0"/>
-              <a:t>12/11/18</a:t>
+              <a:t>1/24/21</a:t>
             </a:fld>
             <a:endParaRPr lang="en-US"/>
           </a:p>
@@ -394,7 +394,7 @@
             <a:fld id="{06A43BE5-3BD4-F642-8751-88A31D8D6D13}" type="datetimeFigureOut">
               <a:rPr lang="en-US" smtClean="0"/>
               <a:pPr/>
-              <a:t>12/11/18</a:t>
+              <a:t>1/24/21</a:t>
             </a:fld>
             <a:endParaRPr lang="en-US"/>
           </a:p>
@@ -937,7 +937,7 @@
             <a:fld id="{A4FA2B0E-4818-9849-9CF1-1031FD4E1DAB}" type="datetimeFigureOut">
               <a:rPr lang="en-US" smtClean="0"/>
               <a:pPr/>
-              <a:t>12/11/18</a:t>
+              <a:t>1/24/21</a:t>
             </a:fld>
             <a:endParaRPr lang="en-US"/>
           </a:p>
@@ -1102,7 +1102,7 @@
             <a:fld id="{A4FA2B0E-4818-9849-9CF1-1031FD4E1DAB}" type="datetimeFigureOut">
               <a:rPr lang="en-US" smtClean="0"/>
               <a:pPr/>
-              <a:t>12/11/18</a:t>
+              <a:t>1/24/21</a:t>
             </a:fld>
             <a:endParaRPr lang="en-US"/>
           </a:p>
@@ -1277,7 +1277,7 @@
             <a:fld id="{A4FA2B0E-4818-9849-9CF1-1031FD4E1DAB}" type="datetimeFigureOut">
               <a:rPr lang="en-US" smtClean="0"/>
               <a:pPr/>
-              <a:t>12/11/18</a:t>
+              <a:t>1/24/21</a:t>
             </a:fld>
             <a:endParaRPr lang="en-US"/>
           </a:p>
@@ -1442,7 +1442,7 @@
             <a:fld id="{A4FA2B0E-4818-9849-9CF1-1031FD4E1DAB}" type="datetimeFigureOut">
               <a:rPr lang="en-US" smtClean="0"/>
               <a:pPr/>
-              <a:t>12/11/18</a:t>
+              <a:t>1/24/21</a:t>
             </a:fld>
             <a:endParaRPr lang="en-US"/>
           </a:p>
@@ -1684,7 +1684,7 @@
             <a:fld id="{A4FA2B0E-4818-9849-9CF1-1031FD4E1DAB}" type="datetimeFigureOut">
               <a:rPr lang="en-US" smtClean="0"/>
               <a:pPr/>
-              <a:t>12/11/18</a:t>
+              <a:t>1/24/21</a:t>
             </a:fld>
             <a:endParaRPr lang="en-US"/>
           </a:p>
@@ -1966,7 +1966,7 @@
             <a:fld id="{A4FA2B0E-4818-9849-9CF1-1031FD4E1DAB}" type="datetimeFigureOut">
               <a:rPr lang="en-US" smtClean="0"/>
               <a:pPr/>
-              <a:t>12/11/18</a:t>
+              <a:t>1/24/21</a:t>
             </a:fld>
             <a:endParaRPr lang="en-US"/>
           </a:p>
@@ -2382,7 +2382,7 @@
             <a:fld id="{A4FA2B0E-4818-9849-9CF1-1031FD4E1DAB}" type="datetimeFigureOut">
               <a:rPr lang="en-US" smtClean="0"/>
               <a:pPr/>
-              <a:t>12/11/18</a:t>
+              <a:t>1/24/21</a:t>
             </a:fld>
             <a:endParaRPr lang="en-US"/>
           </a:p>
@@ -2496,7 +2496,7 @@
             <a:fld id="{A4FA2B0E-4818-9849-9CF1-1031FD4E1DAB}" type="datetimeFigureOut">
               <a:rPr lang="en-US" smtClean="0"/>
               <a:pPr/>
-              <a:t>12/11/18</a:t>
+              <a:t>1/24/21</a:t>
             </a:fld>
             <a:endParaRPr lang="en-US"/>
           </a:p>
@@ -2588,7 +2588,7 @@
             <a:fld id="{A4FA2B0E-4818-9849-9CF1-1031FD4E1DAB}" type="datetimeFigureOut">
               <a:rPr lang="en-US" smtClean="0"/>
               <a:pPr/>
-              <a:t>12/11/18</a:t>
+              <a:t>1/24/21</a:t>
             </a:fld>
             <a:endParaRPr lang="en-US"/>
           </a:p>
@@ -2860,7 +2860,7 @@
             <a:fld id="{A4FA2B0E-4818-9849-9CF1-1031FD4E1DAB}" type="datetimeFigureOut">
               <a:rPr lang="en-US" smtClean="0"/>
               <a:pPr/>
-              <a:t>12/11/18</a:t>
+              <a:t>1/24/21</a:t>
             </a:fld>
             <a:endParaRPr lang="en-US"/>
           </a:p>
@@ -3109,7 +3109,7 @@
             <a:fld id="{A4FA2B0E-4818-9849-9CF1-1031FD4E1DAB}" type="datetimeFigureOut">
               <a:rPr lang="en-US" smtClean="0"/>
               <a:pPr/>
-              <a:t>12/11/18</a:t>
+              <a:t>1/24/21</a:t>
             </a:fld>
             <a:endParaRPr lang="en-US"/>
           </a:p>
@@ -3317,7 +3317,7 @@
             <a:fld id="{A4FA2B0E-4818-9849-9CF1-1031FD4E1DAB}" type="datetimeFigureOut">
               <a:rPr lang="en-US" smtClean="0"/>
               <a:pPr/>
-              <a:t>12/11/18</a:t>
+              <a:t>1/24/21</a:t>
             </a:fld>
             <a:endParaRPr lang="en-US"/>
           </a:p>
@@ -4151,7 +4151,7 @@
         <p:spPr>
           <a:xfrm>
             <a:off x="539603" y="945629"/>
-            <a:ext cx="8375797" cy="3293209"/>
+            <a:ext cx="8375797" cy="3662541"/>
           </a:xfrm>
           <a:prstGeom prst="rect">
             <a:avLst/>
@@ -4188,7 +4188,7 @@
                 <a:ea typeface="MS Mincho" panose="02020609040205080304" pitchFamily="49" charset="-128"/>
                 <a:cs typeface="Times New Roman" panose="02020603050405020304" pitchFamily="18" charset="0"/>
               </a:rPr>
-              <a:t>Submit abstract for undergraduate research project</a:t>
+              <a:t>Submit undergraduate research abstract</a:t>
             </a:r>
           </a:p>
           <a:p>
@@ -4202,7 +4202,21 @@
                 <a:ea typeface="MS Mincho" panose="02020609040205080304" pitchFamily="49" charset="-128"/>
                 <a:cs typeface="Times New Roman" panose="02020603050405020304" pitchFamily="18" charset="0"/>
               </a:rPr>
-              <a:t>Individual presentations of research projects</a:t>
+              <a:t>Peer review of research project abstracts</a:t>
+            </a:r>
+          </a:p>
+          <a:p>
+            <a:pPr marL="800100" lvl="1" indent="-342900">
+              <a:buFont typeface="Arial" panose="020B0604020202020204" pitchFamily="34" charset="0"/>
+              <a:buChar char="•"/>
+            </a:pPr>
+            <a:r>
+              <a:rPr lang="en-US" sz="2400" dirty="0">
+                <a:latin typeface="Times New Roman" panose="02020603050405020304" pitchFamily="18" charset="0"/>
+                <a:ea typeface="MS Mincho" panose="02020609040205080304" pitchFamily="49" charset="-128"/>
+                <a:cs typeface="Times New Roman" panose="02020603050405020304" pitchFamily="18" charset="0"/>
+              </a:rPr>
+              <a:t>Preparation for presentations of research projects</a:t>
             </a:r>
           </a:p>
           <a:p>
@@ -4227,7 +4241,7 @@
                 <a:ea typeface="MS Mincho" panose="02020609040205080304" pitchFamily="49" charset="-128"/>
                 <a:cs typeface="Times New Roman" panose="02020603050405020304" pitchFamily="18" charset="0"/>
               </a:rPr>
-              <a:t>Next week</a:t>
+              <a:t>Second-to-last class</a:t>
             </a:r>
           </a:p>
           <a:p>
@@ -4241,7 +4255,7 @@
                 <a:ea typeface="MS Mincho" panose="02020609040205080304" pitchFamily="49" charset="-128"/>
                 <a:cs typeface="Times New Roman" panose="02020603050405020304" pitchFamily="18" charset="0"/>
               </a:rPr>
-              <a:t>Submit undergraduate research project form</a:t>
+              <a:t>Submit undergraduate research project form before class</a:t>
             </a:r>
           </a:p>
           <a:p>
@@ -4280,7 +4294,7 @@
                 <a:ea typeface="MS Mincho" panose="02020609040205080304" pitchFamily="49" charset="-128"/>
                 <a:cs typeface="Times New Roman" panose="02020603050405020304" pitchFamily="18" charset="0"/>
               </a:rPr>
-              <a:t>Next week</a:t>
+              <a:t>Last class</a:t>
             </a:r>
           </a:p>
           <a:p>
@@ -4302,7 +4316,7 @@
     </p:spTree>
     <p:extLst>
       <p:ext uri="{BB962C8B-B14F-4D97-AF65-F5344CB8AC3E}">
-        <p14:creationId xmlns:p14="http://schemas.microsoft.com/office/powerpoint/2010/main" val="1947408174"/>
+        <p14:creationId xmlns:p14="http://schemas.microsoft.com/office/powerpoint/2010/main" val="2613546107"/>
       </p:ext>
     </p:extLst>
   </p:cSld>
@@ -4409,7 +4423,7 @@
                 <a:ea typeface="MS Mincho" panose="02020609040205080304" pitchFamily="49" charset="-128"/>
                 <a:cs typeface="Times New Roman" panose="02020603050405020304" pitchFamily="18" charset="0"/>
               </a:rPr>
-              <a:t>Last 3 classes of the semester: presentations on the research projects that students will be doing or are already doing</a:t>
+              <a:t>Last 2 classes of the semester: presentations on the research projects that students will be doing or are already doing</a:t>
             </a:r>
           </a:p>
           <a:p>

--- a/Slides/Class25.pptx
+++ b/Slides/Class25.pptx
@@ -228,7 +228,7 @@
           <a:p>
             <a:fld id="{C24322AF-E05B-7249-906C-FBAC6154C037}" type="datetimeFigureOut">
               <a:rPr lang="en-US" smtClean="0"/>
-              <a:t>1/24/21</a:t>
+              <a:t>6/18/25</a:t>
             </a:fld>
             <a:endParaRPr lang="en-US"/>
           </a:p>
@@ -394,7 +394,7 @@
             <a:fld id="{06A43BE5-3BD4-F642-8751-88A31D8D6D13}" type="datetimeFigureOut">
               <a:rPr lang="en-US" smtClean="0"/>
               <a:pPr/>
-              <a:t>1/24/21</a:t>
+              <a:t>6/18/25</a:t>
             </a:fld>
             <a:endParaRPr lang="en-US"/>
           </a:p>
@@ -937,7 +937,7 @@
             <a:fld id="{A4FA2B0E-4818-9849-9CF1-1031FD4E1DAB}" type="datetimeFigureOut">
               <a:rPr lang="en-US" smtClean="0"/>
               <a:pPr/>
-              <a:t>1/24/21</a:t>
+              <a:t>6/18/25</a:t>
             </a:fld>
             <a:endParaRPr lang="en-US"/>
           </a:p>
@@ -1102,7 +1102,7 @@
             <a:fld id="{A4FA2B0E-4818-9849-9CF1-1031FD4E1DAB}" type="datetimeFigureOut">
               <a:rPr lang="en-US" smtClean="0"/>
               <a:pPr/>
-              <a:t>1/24/21</a:t>
+              <a:t>6/18/25</a:t>
             </a:fld>
             <a:endParaRPr lang="en-US"/>
           </a:p>
@@ -1277,7 +1277,7 @@
             <a:fld id="{A4FA2B0E-4818-9849-9CF1-1031FD4E1DAB}" type="datetimeFigureOut">
               <a:rPr lang="en-US" smtClean="0"/>
               <a:pPr/>
-              <a:t>1/24/21</a:t>
+              <a:t>6/18/25</a:t>
             </a:fld>
             <a:endParaRPr lang="en-US"/>
           </a:p>
@@ -1442,7 +1442,7 @@
             <a:fld id="{A4FA2B0E-4818-9849-9CF1-1031FD4E1DAB}" type="datetimeFigureOut">
               <a:rPr lang="en-US" smtClean="0"/>
               <a:pPr/>
-              <a:t>1/24/21</a:t>
+              <a:t>6/18/25</a:t>
             </a:fld>
             <a:endParaRPr lang="en-US"/>
           </a:p>
@@ -1684,7 +1684,7 @@
             <a:fld id="{A4FA2B0E-4818-9849-9CF1-1031FD4E1DAB}" type="datetimeFigureOut">
               <a:rPr lang="en-US" smtClean="0"/>
               <a:pPr/>
-              <a:t>1/24/21</a:t>
+              <a:t>6/18/25</a:t>
             </a:fld>
             <a:endParaRPr lang="en-US"/>
           </a:p>
@@ -1966,7 +1966,7 @@
             <a:fld id="{A4FA2B0E-4818-9849-9CF1-1031FD4E1DAB}" type="datetimeFigureOut">
               <a:rPr lang="en-US" smtClean="0"/>
               <a:pPr/>
-              <a:t>1/24/21</a:t>
+              <a:t>6/18/25</a:t>
             </a:fld>
             <a:endParaRPr lang="en-US"/>
           </a:p>
@@ -2382,7 +2382,7 @@
             <a:fld id="{A4FA2B0E-4818-9849-9CF1-1031FD4E1DAB}" type="datetimeFigureOut">
               <a:rPr lang="en-US" smtClean="0"/>
               <a:pPr/>
-              <a:t>1/24/21</a:t>
+              <a:t>6/18/25</a:t>
             </a:fld>
             <a:endParaRPr lang="en-US"/>
           </a:p>
@@ -2496,7 +2496,7 @@
             <a:fld id="{A4FA2B0E-4818-9849-9CF1-1031FD4E1DAB}" type="datetimeFigureOut">
               <a:rPr lang="en-US" smtClean="0"/>
               <a:pPr/>
-              <a:t>1/24/21</a:t>
+              <a:t>6/18/25</a:t>
             </a:fld>
             <a:endParaRPr lang="en-US"/>
           </a:p>
@@ -2588,7 +2588,7 @@
             <a:fld id="{A4FA2B0E-4818-9849-9CF1-1031FD4E1DAB}" type="datetimeFigureOut">
               <a:rPr lang="en-US" smtClean="0"/>
               <a:pPr/>
-              <a:t>1/24/21</a:t>
+              <a:t>6/18/25</a:t>
             </a:fld>
             <a:endParaRPr lang="en-US"/>
           </a:p>
@@ -2860,7 +2860,7 @@
             <a:fld id="{A4FA2B0E-4818-9849-9CF1-1031FD4E1DAB}" type="datetimeFigureOut">
               <a:rPr lang="en-US" smtClean="0"/>
               <a:pPr/>
-              <a:t>1/24/21</a:t>
+              <a:t>6/18/25</a:t>
             </a:fld>
             <a:endParaRPr lang="en-US"/>
           </a:p>
@@ -3109,7 +3109,7 @@
             <a:fld id="{A4FA2B0E-4818-9849-9CF1-1031FD4E1DAB}" type="datetimeFigureOut">
               <a:rPr lang="en-US" smtClean="0"/>
               <a:pPr/>
-              <a:t>1/24/21</a:t>
+              <a:t>6/18/25</a:t>
             </a:fld>
             <a:endParaRPr lang="en-US"/>
           </a:p>
@@ -3317,7 +3317,7 @@
             <a:fld id="{A4FA2B0E-4818-9849-9CF1-1031FD4E1DAB}" type="datetimeFigureOut">
               <a:rPr lang="en-US" smtClean="0"/>
               <a:pPr/>
-              <a:t>1/24/21</a:t>
+              <a:t>6/18/25</a:t>
             </a:fld>
             <a:endParaRPr lang="en-US"/>
           </a:p>
